--- a/zkdoc/styleguide/components/style guide - robbie.pptx
+++ b/zkdoc/styleguide/components/style guide - robbie.pptx
@@ -5,13 +5,14 @@
     <p:sldMasterId id="2147483648" r:id="rId1"/>
   </p:sldMasterIdLst>
   <p:notesMasterIdLst>
-    <p:notesMasterId r:id="rId6"/>
+    <p:notesMasterId r:id="rId7"/>
   </p:notesMasterIdLst>
   <p:sldIdLst>
     <p:sldId id="256" r:id="rId2"/>
     <p:sldId id="257" r:id="rId3"/>
     <p:sldId id="258" r:id="rId4"/>
     <p:sldId id="259" r:id="rId5"/>
+    <p:sldId id="261" r:id="rId6"/>
   </p:sldIdLst>
   <p:sldSz cx="9144000" cy="6858000" type="screen4x3"/>
   <p:notesSz cx="6858000" cy="9144000"/>
@@ -196,7 +197,7 @@
             <a:fld id="{C90B346D-464A-4AED-AAEB-F9A1DEC59BF3}" type="datetimeFigureOut">
               <a:rPr lang="zh-TW" altLang="en-US" smtClean="0"/>
               <a:pPr/>
-              <a:t>2008/2/29</a:t>
+              <a:t>2008/4/11</a:t>
             </a:fld>
             <a:endParaRPr lang="zh-TW" altLang="en-US"/>
           </a:p>
@@ -1032,6 +1033,88 @@
 </p:notes>
 </file>
 
+<file path=ppt/notesSlides/notesSlide5.xml><?xml version="1.0" encoding="utf-8"?>
+<p:notes xmlns:a="http://schemas.openxmlformats.org/drawingml/2006/main" xmlns:r="http://schemas.openxmlformats.org/officeDocument/2006/relationships" xmlns:p="http://schemas.openxmlformats.org/presentationml/2006/main">
+  <p:cSld>
+    <p:spTree>
+      <p:nvGrpSpPr>
+        <p:cNvPr id="1" name=""/>
+        <p:cNvGrpSpPr/>
+        <p:nvPr/>
+      </p:nvGrpSpPr>
+      <p:grpSpPr>
+        <a:xfrm>
+          <a:off x="0" y="0"/>
+          <a:ext cx="0" cy="0"/>
+          <a:chOff x="0" y="0"/>
+          <a:chExt cx="0" cy="0"/>
+        </a:xfrm>
+      </p:grpSpPr>
+      <p:sp>
+        <p:nvSpPr>
+          <p:cNvPr id="2" name="Slide Image Placeholder 1"/>
+          <p:cNvSpPr>
+            <a:spLocks noGrp="1" noRot="1" noChangeAspect="1"/>
+          </p:cNvSpPr>
+          <p:nvPr>
+            <p:ph type="sldImg"/>
+          </p:nvPr>
+        </p:nvSpPr>
+        <p:spPr/>
+      </p:sp>
+      <p:sp>
+        <p:nvSpPr>
+          <p:cNvPr id="3" name="Notes Placeholder 2"/>
+          <p:cNvSpPr>
+            <a:spLocks noGrp="1"/>
+          </p:cNvSpPr>
+          <p:nvPr>
+            <p:ph type="body" idx="1"/>
+          </p:nvPr>
+        </p:nvSpPr>
+        <p:spPr/>
+        <p:txBody>
+          <a:bodyPr>
+            <a:normAutofit/>
+          </a:bodyPr>
+          <a:lstStyle/>
+          <a:p>
+            <a:endParaRPr lang="zh-TW" altLang="en-US"/>
+          </a:p>
+        </p:txBody>
+      </p:sp>
+      <p:sp>
+        <p:nvSpPr>
+          <p:cNvPr id="4" name="Slide Number Placeholder 3"/>
+          <p:cNvSpPr>
+            <a:spLocks noGrp="1"/>
+          </p:cNvSpPr>
+          <p:nvPr>
+            <p:ph type="sldNum" sz="quarter" idx="10"/>
+          </p:nvPr>
+        </p:nvSpPr>
+        <p:spPr/>
+        <p:txBody>
+          <a:bodyPr/>
+          <a:lstStyle/>
+          <a:p>
+            <a:fld id="{25B39626-3AF1-4B5D-96CE-9F9A225EC0A8}" type="slidenum">
+              <a:rPr lang="zh-TW" altLang="en-US" smtClean="0"/>
+              <a:pPr/>
+              <a:t>5</a:t>
+            </a:fld>
+            <a:endParaRPr lang="zh-TW" altLang="en-US"/>
+          </a:p>
+        </p:txBody>
+      </p:sp>
+    </p:spTree>
+  </p:cSld>
+  <p:clrMapOvr>
+    <a:masterClrMapping/>
+  </p:clrMapOvr>
+</p:notes>
+</file>
+
 <file path=ppt/slideLayouts/slideLayout1.xml><?xml version="1.0" encoding="utf-8"?>
 <p:sldLayout xmlns:a="http://schemas.openxmlformats.org/drawingml/2006/main" xmlns:r="http://schemas.openxmlformats.org/officeDocument/2006/relationships" xmlns:p="http://schemas.openxmlformats.org/presentationml/2006/main" type="title" preserve="1">
   <p:cSld name="Title Slide">
@@ -1214,7 +1297,7 @@
             <a:fld id="{1D8BD707-D9CF-40AE-B4C6-C98DA3205C09}" type="datetimeFigureOut">
               <a:rPr lang="en-US" smtClean="0"/>
               <a:pPr/>
-              <a:t>2/29/2008</a:t>
+              <a:t>4/11/2008</a:t>
             </a:fld>
             <a:endParaRPr lang="en-US"/>
           </a:p>
@@ -1381,7 +1464,7 @@
             <a:fld id="{1D8BD707-D9CF-40AE-B4C6-C98DA3205C09}" type="datetimeFigureOut">
               <a:rPr lang="en-US" smtClean="0"/>
               <a:pPr/>
-              <a:t>2/29/2008</a:t>
+              <a:t>4/11/2008</a:t>
             </a:fld>
             <a:endParaRPr lang="en-US"/>
           </a:p>
@@ -1558,7 +1641,7 @@
             <a:fld id="{1D8BD707-D9CF-40AE-B4C6-C98DA3205C09}" type="datetimeFigureOut">
               <a:rPr lang="en-US" smtClean="0"/>
               <a:pPr/>
-              <a:t>2/29/2008</a:t>
+              <a:t>4/11/2008</a:t>
             </a:fld>
             <a:endParaRPr lang="en-US"/>
           </a:p>
@@ -1725,7 +1808,7 @@
             <a:fld id="{1D8BD707-D9CF-40AE-B4C6-C98DA3205C09}" type="datetimeFigureOut">
               <a:rPr lang="en-US" smtClean="0"/>
               <a:pPr/>
-              <a:t>2/29/2008</a:t>
+              <a:t>4/11/2008</a:t>
             </a:fld>
             <a:endParaRPr lang="en-US"/>
           </a:p>
@@ -1968,7 +2051,7 @@
             <a:fld id="{1D8BD707-D9CF-40AE-B4C6-C98DA3205C09}" type="datetimeFigureOut">
               <a:rPr lang="en-US" smtClean="0"/>
               <a:pPr/>
-              <a:t>2/29/2008</a:t>
+              <a:t>4/11/2008</a:t>
             </a:fld>
             <a:endParaRPr lang="en-US"/>
           </a:p>
@@ -2253,7 +2336,7 @@
             <a:fld id="{1D8BD707-D9CF-40AE-B4C6-C98DA3205C09}" type="datetimeFigureOut">
               <a:rPr lang="en-US" smtClean="0"/>
               <a:pPr/>
-              <a:t>2/29/2008</a:t>
+              <a:t>4/11/2008</a:t>
             </a:fld>
             <a:endParaRPr lang="en-US"/>
           </a:p>
@@ -2672,7 +2755,7 @@
             <a:fld id="{1D8BD707-D9CF-40AE-B4C6-C98DA3205C09}" type="datetimeFigureOut">
               <a:rPr lang="en-US" smtClean="0"/>
               <a:pPr/>
-              <a:t>2/29/2008</a:t>
+              <a:t>4/11/2008</a:t>
             </a:fld>
             <a:endParaRPr lang="en-US"/>
           </a:p>
@@ -2787,7 +2870,7 @@
             <a:fld id="{1D8BD707-D9CF-40AE-B4C6-C98DA3205C09}" type="datetimeFigureOut">
               <a:rPr lang="en-US" smtClean="0"/>
               <a:pPr/>
-              <a:t>2/29/2008</a:t>
+              <a:t>4/11/2008</a:t>
             </a:fld>
             <a:endParaRPr lang="en-US"/>
           </a:p>
@@ -2879,7 +2962,7 @@
             <a:fld id="{1D8BD707-D9CF-40AE-B4C6-C98DA3205C09}" type="datetimeFigureOut">
               <a:rPr lang="en-US" smtClean="0"/>
               <a:pPr/>
-              <a:t>2/29/2008</a:t>
+              <a:t>4/11/2008</a:t>
             </a:fld>
             <a:endParaRPr lang="en-US"/>
           </a:p>
@@ -3153,7 +3236,7 @@
             <a:fld id="{1D8BD707-D9CF-40AE-B4C6-C98DA3205C09}" type="datetimeFigureOut">
               <a:rPr lang="en-US" smtClean="0"/>
               <a:pPr/>
-              <a:t>2/29/2008</a:t>
+              <a:t>4/11/2008</a:t>
             </a:fld>
             <a:endParaRPr lang="en-US"/>
           </a:p>
@@ -3403,7 +3486,7 @@
             <a:fld id="{1D8BD707-D9CF-40AE-B4C6-C98DA3205C09}" type="datetimeFigureOut">
               <a:rPr lang="en-US" smtClean="0"/>
               <a:pPr/>
-              <a:t>2/29/2008</a:t>
+              <a:t>4/11/2008</a:t>
             </a:fld>
             <a:endParaRPr lang="en-US"/>
           </a:p>
@@ -3613,7 +3696,7 @@
             <a:fld id="{1D8BD707-D9CF-40AE-B4C6-C98DA3205C09}" type="datetimeFigureOut">
               <a:rPr lang="en-US" smtClean="0"/>
               <a:pPr/>
-              <a:t>2/29/2008</a:t>
+              <a:t>4/11/2008</a:t>
             </a:fld>
             <a:endParaRPr lang="en-US"/>
           </a:p>
@@ -5181,6 +5264,489 @@
           <a:noFill/>
         </p:spPr>
       </p:pic>
+    </p:spTree>
+  </p:cSld>
+  <p:clrMapOvr>
+    <a:masterClrMapping/>
+  </p:clrMapOvr>
+</p:sld>
+</file>
+
+<file path=ppt/slides/slide5.xml><?xml version="1.0" encoding="utf-8"?>
+<p:sld xmlns:a="http://schemas.openxmlformats.org/drawingml/2006/main" xmlns:r="http://schemas.openxmlformats.org/officeDocument/2006/relationships" xmlns:p="http://schemas.openxmlformats.org/presentationml/2006/main">
+  <p:cSld>
+    <p:spTree>
+      <p:nvGrpSpPr>
+        <p:cNvPr id="1" name=""/>
+        <p:cNvGrpSpPr/>
+        <p:nvPr/>
+      </p:nvGrpSpPr>
+      <p:grpSpPr>
+        <a:xfrm>
+          <a:off x="0" y="0"/>
+          <a:ext cx="0" cy="0"/>
+          <a:chOff x="0" y="0"/>
+          <a:chExt cx="0" cy="0"/>
+        </a:xfrm>
+      </p:grpSpPr>
+      <p:sp>
+        <p:nvSpPr>
+          <p:cNvPr id="3" name="Title 1"/>
+          <p:cNvSpPr>
+            <a:spLocks noGrp="1"/>
+          </p:cNvSpPr>
+          <p:nvPr>
+            <p:ph type="title"/>
+          </p:nvPr>
+        </p:nvSpPr>
+        <p:spPr>
+          <a:xfrm>
+            <a:off x="457200" y="274638"/>
+            <a:ext cx="8229600" cy="1143000"/>
+          </a:xfrm>
+        </p:spPr>
+        <p:txBody>
+          <a:bodyPr/>
+          <a:lstStyle/>
+          <a:p>
+            <a:r>
+              <a:rPr lang="en-US" altLang="zh-TW" dirty="0" smtClean="0"/>
+              <a:t>Caption</a:t>
+            </a:r>
+            <a:endParaRPr lang="zh-TW" altLang="en-US" dirty="0"/>
+          </a:p>
+        </p:txBody>
+      </p:sp>
+      <p:sp>
+        <p:nvSpPr>
+          <p:cNvPr id="5" name="Line Callout 1 4"/>
+          <p:cNvSpPr/>
+          <p:nvPr/>
+        </p:nvSpPr>
+        <p:spPr>
+          <a:xfrm>
+            <a:off x="2514600" y="2286000"/>
+            <a:ext cx="1138480" cy="417008"/>
+          </a:xfrm>
+          <a:prstGeom prst="borderCallout1">
+            <a:avLst>
+              <a:gd name="adj1" fmla="val 18750"/>
+              <a:gd name="adj2" fmla="val -8333"/>
+              <a:gd name="adj3" fmla="val 293100"/>
+              <a:gd name="adj4" fmla="val -82734"/>
+            </a:avLst>
+          </a:prstGeom>
+        </p:spPr>
+        <p:style>
+          <a:lnRef idx="2">
+            <a:schemeClr val="accent1"/>
+          </a:lnRef>
+          <a:fillRef idx="1">
+            <a:schemeClr val="lt1"/>
+          </a:fillRef>
+          <a:effectRef idx="0">
+            <a:schemeClr val="accent1"/>
+          </a:effectRef>
+          <a:fontRef idx="minor">
+            <a:schemeClr val="dk1"/>
+          </a:fontRef>
+        </p:style>
+        <p:txBody>
+          <a:bodyPr rtlCol="0" anchor="ctr"/>
+          <a:lstStyle/>
+          <a:p>
+            <a:pPr algn="ctr"/>
+            <a:r>
+              <a:rPr lang="en-US" altLang="zh-TW" dirty="0" smtClean="0">
+                <a:solidFill>
+                  <a:srgbClr val="0070C0"/>
+                </a:solidFill>
+              </a:rPr>
+              <a:t>td.caption</a:t>
+            </a:r>
+            <a:endParaRPr lang="zh-TW" altLang="en-US" dirty="0">
+              <a:solidFill>
+                <a:srgbClr val="0070C0"/>
+              </a:solidFill>
+            </a:endParaRPr>
+          </a:p>
+        </p:txBody>
+      </p:sp>
+      <p:pic>
+        <p:nvPicPr>
+          <p:cNvPr id="1027" name="Picture 3" descr="C:\Documents and Settings\robbiecheng\Desktop\caption.jpg"/>
+          <p:cNvPicPr>
+            <a:picLocks noChangeAspect="1" noChangeArrowheads="1"/>
+          </p:cNvPicPr>
+          <p:nvPr/>
+        </p:nvPicPr>
+        <p:blipFill>
+          <a:blip r:embed="rId3"/>
+          <a:srcRect/>
+          <a:stretch>
+            <a:fillRect/>
+          </a:stretch>
+        </p:blipFill>
+        <p:spPr bwMode="auto">
+          <a:xfrm>
+            <a:off x="1143000" y="3505200"/>
+            <a:ext cx="4283242" cy="457200"/>
+          </a:xfrm>
+          <a:prstGeom prst="rect">
+            <a:avLst/>
+          </a:prstGeom>
+          <a:noFill/>
+        </p:spPr>
+      </p:pic>
+      <p:sp>
+        <p:nvSpPr>
+          <p:cNvPr id="4" name="Rectangle 3"/>
+          <p:cNvSpPr/>
+          <p:nvPr/>
+        </p:nvSpPr>
+        <p:spPr>
+          <a:xfrm>
+            <a:off x="1143000" y="3505200"/>
+            <a:ext cx="762000" cy="304800"/>
+          </a:xfrm>
+          <a:prstGeom prst="rect">
+            <a:avLst/>
+          </a:prstGeom>
+          <a:noFill/>
+          <a:ln>
+            <a:solidFill>
+              <a:srgbClr val="FF0000"/>
+            </a:solidFill>
+          </a:ln>
+        </p:spPr>
+        <p:style>
+          <a:lnRef idx="2">
+            <a:schemeClr val="accent1">
+              <a:shade val="50000"/>
+            </a:schemeClr>
+          </a:lnRef>
+          <a:fillRef idx="1">
+            <a:schemeClr val="accent1"/>
+          </a:fillRef>
+          <a:effectRef idx="0">
+            <a:schemeClr val="accent1"/>
+          </a:effectRef>
+          <a:fontRef idx="minor">
+            <a:schemeClr val="lt1"/>
+          </a:fontRef>
+        </p:style>
+        <p:txBody>
+          <a:bodyPr rtlCol="0" anchor="ctr"/>
+          <a:lstStyle/>
+          <a:p>
+            <a:pPr algn="ctr"/>
+            <a:endParaRPr lang="zh-TW" altLang="en-US"/>
+          </a:p>
+        </p:txBody>
+      </p:sp>
+      <p:sp>
+        <p:nvSpPr>
+          <p:cNvPr id="11" name="Rectangle 10"/>
+          <p:cNvSpPr/>
+          <p:nvPr/>
+        </p:nvSpPr>
+        <p:spPr>
+          <a:xfrm>
+            <a:off x="2209800" y="3505200"/>
+            <a:ext cx="762000" cy="304800"/>
+          </a:xfrm>
+          <a:prstGeom prst="rect">
+            <a:avLst/>
+          </a:prstGeom>
+          <a:noFill/>
+          <a:ln>
+            <a:solidFill>
+              <a:srgbClr val="FF0000"/>
+            </a:solidFill>
+          </a:ln>
+        </p:spPr>
+        <p:style>
+          <a:lnRef idx="2">
+            <a:schemeClr val="accent1">
+              <a:shade val="50000"/>
+            </a:schemeClr>
+          </a:lnRef>
+          <a:fillRef idx="1">
+            <a:schemeClr val="accent1"/>
+          </a:fillRef>
+          <a:effectRef idx="0">
+            <a:schemeClr val="accent1"/>
+          </a:effectRef>
+          <a:fontRef idx="minor">
+            <a:schemeClr val="lt1"/>
+          </a:fontRef>
+        </p:style>
+        <p:txBody>
+          <a:bodyPr rtlCol="0" anchor="ctr"/>
+          <a:lstStyle/>
+          <a:p>
+            <a:pPr algn="ctr"/>
+            <a:endParaRPr lang="zh-TW" altLang="en-US"/>
+          </a:p>
+        </p:txBody>
+      </p:sp>
+      <p:sp>
+        <p:nvSpPr>
+          <p:cNvPr id="12" name="Rectangle 11"/>
+          <p:cNvSpPr/>
+          <p:nvPr/>
+        </p:nvSpPr>
+        <p:spPr>
+          <a:xfrm>
+            <a:off x="2971800" y="3505200"/>
+            <a:ext cx="990600" cy="304800"/>
+          </a:xfrm>
+          <a:prstGeom prst="rect">
+            <a:avLst/>
+          </a:prstGeom>
+          <a:noFill/>
+          <a:ln>
+            <a:solidFill>
+              <a:srgbClr val="FF0000"/>
+            </a:solidFill>
+          </a:ln>
+        </p:spPr>
+        <p:style>
+          <a:lnRef idx="2">
+            <a:schemeClr val="accent1">
+              <a:shade val="50000"/>
+            </a:schemeClr>
+          </a:lnRef>
+          <a:fillRef idx="1">
+            <a:schemeClr val="accent1"/>
+          </a:fillRef>
+          <a:effectRef idx="0">
+            <a:schemeClr val="accent1"/>
+          </a:effectRef>
+          <a:fontRef idx="minor">
+            <a:schemeClr val="lt1"/>
+          </a:fontRef>
+        </p:style>
+        <p:txBody>
+          <a:bodyPr rtlCol="0" anchor="ctr"/>
+          <a:lstStyle/>
+          <a:p>
+            <a:pPr algn="ctr"/>
+            <a:endParaRPr lang="zh-TW" altLang="en-US"/>
+          </a:p>
+        </p:txBody>
+      </p:sp>
+      <p:sp>
+        <p:nvSpPr>
+          <p:cNvPr id="13" name="Rectangle 12"/>
+          <p:cNvSpPr/>
+          <p:nvPr/>
+        </p:nvSpPr>
+        <p:spPr>
+          <a:xfrm>
+            <a:off x="3962400" y="3505200"/>
+            <a:ext cx="1371600" cy="304800"/>
+          </a:xfrm>
+          <a:prstGeom prst="rect">
+            <a:avLst/>
+          </a:prstGeom>
+          <a:noFill/>
+          <a:ln>
+            <a:solidFill>
+              <a:srgbClr val="FF0000"/>
+            </a:solidFill>
+          </a:ln>
+        </p:spPr>
+        <p:style>
+          <a:lnRef idx="2">
+            <a:schemeClr val="accent1">
+              <a:shade val="50000"/>
+            </a:schemeClr>
+          </a:lnRef>
+          <a:fillRef idx="1">
+            <a:schemeClr val="accent1"/>
+          </a:fillRef>
+          <a:effectRef idx="0">
+            <a:schemeClr val="accent1"/>
+          </a:effectRef>
+          <a:fontRef idx="minor">
+            <a:schemeClr val="lt1"/>
+          </a:fontRef>
+        </p:style>
+        <p:txBody>
+          <a:bodyPr rtlCol="0" anchor="ctr"/>
+          <a:lstStyle/>
+          <a:p>
+            <a:pPr algn="ctr"/>
+            <a:endParaRPr lang="zh-TW" altLang="en-US"/>
+          </a:p>
+        </p:txBody>
+      </p:sp>
+      <p:sp>
+        <p:nvSpPr>
+          <p:cNvPr id="14" name="Line Callout 1 13"/>
+          <p:cNvSpPr/>
+          <p:nvPr/>
+        </p:nvSpPr>
+        <p:spPr>
+          <a:xfrm>
+            <a:off x="3352800" y="4572000"/>
+            <a:ext cx="1905000" cy="417008"/>
+          </a:xfrm>
+          <a:prstGeom prst="borderCallout1">
+            <a:avLst>
+              <a:gd name="adj1" fmla="val 18750"/>
+              <a:gd name="adj2" fmla="val -8333"/>
+              <a:gd name="adj3" fmla="val -180820"/>
+              <a:gd name="adj4" fmla="val -46795"/>
+            </a:avLst>
+          </a:prstGeom>
+        </p:spPr>
+        <p:style>
+          <a:lnRef idx="2">
+            <a:schemeClr val="accent1"/>
+          </a:lnRef>
+          <a:fillRef idx="1">
+            <a:schemeClr val="lt1"/>
+          </a:fillRef>
+          <a:effectRef idx="0">
+            <a:schemeClr val="accent1"/>
+          </a:effectRef>
+          <a:fontRef idx="minor">
+            <a:schemeClr val="dk1"/>
+          </a:fontRef>
+        </p:style>
+        <p:txBody>
+          <a:bodyPr rtlCol="0" anchor="ctr"/>
+          <a:lstStyle/>
+          <a:p>
+            <a:pPr algn="ctr"/>
+            <a:r>
+              <a:rPr lang="en-US" altLang="zh-TW" dirty="0" smtClean="0">
+                <a:solidFill>
+                  <a:srgbClr val="0070C0"/>
+                </a:solidFill>
+              </a:rPr>
+              <a:t>.caption button</a:t>
+            </a:r>
+            <a:endParaRPr lang="zh-TW" altLang="en-US" dirty="0">
+              <a:solidFill>
+                <a:srgbClr val="0070C0"/>
+              </a:solidFill>
+            </a:endParaRPr>
+          </a:p>
+        </p:txBody>
+      </p:sp>
+      <p:sp>
+        <p:nvSpPr>
+          <p:cNvPr id="15" name="Line Callout 1 14"/>
+          <p:cNvSpPr/>
+          <p:nvPr/>
+        </p:nvSpPr>
+        <p:spPr>
+          <a:xfrm>
+            <a:off x="4495800" y="2590800"/>
+            <a:ext cx="1138480" cy="417008"/>
+          </a:xfrm>
+          <a:prstGeom prst="borderCallout1">
+            <a:avLst>
+              <a:gd name="adj1" fmla="val 18750"/>
+              <a:gd name="adj2" fmla="val -8333"/>
+              <a:gd name="adj3" fmla="val 217650"/>
+              <a:gd name="adj4" fmla="val -100871"/>
+            </a:avLst>
+          </a:prstGeom>
+        </p:spPr>
+        <p:style>
+          <a:lnRef idx="2">
+            <a:schemeClr val="accent1"/>
+          </a:lnRef>
+          <a:fillRef idx="1">
+            <a:schemeClr val="lt1"/>
+          </a:fillRef>
+          <a:effectRef idx="0">
+            <a:schemeClr val="accent1"/>
+          </a:effectRef>
+          <a:fontRef idx="minor">
+            <a:schemeClr val="dk1"/>
+          </a:fontRef>
+        </p:style>
+        <p:txBody>
+          <a:bodyPr rtlCol="0" anchor="ctr"/>
+          <a:lstStyle/>
+          <a:p>
+            <a:pPr algn="ctr"/>
+            <a:r>
+              <a:rPr lang="en-US" altLang="zh-TW" dirty="0" smtClean="0">
+                <a:solidFill>
+                  <a:srgbClr val="0070C0"/>
+                </a:solidFill>
+              </a:rPr>
+              <a:t>.caption a</a:t>
+            </a:r>
+            <a:endParaRPr lang="zh-TW" altLang="en-US" dirty="0">
+              <a:solidFill>
+                <a:srgbClr val="0070C0"/>
+              </a:solidFill>
+            </a:endParaRPr>
+          </a:p>
+        </p:txBody>
+      </p:sp>
+      <p:sp>
+        <p:nvSpPr>
+          <p:cNvPr id="16" name="Line Callout 1 15"/>
+          <p:cNvSpPr/>
+          <p:nvPr/>
+        </p:nvSpPr>
+        <p:spPr>
+          <a:xfrm>
+            <a:off x="5943600" y="3048000"/>
+            <a:ext cx="1752600" cy="417008"/>
+          </a:xfrm>
+          <a:prstGeom prst="borderCallout1">
+            <a:avLst>
+              <a:gd name="adj1" fmla="val 18750"/>
+              <a:gd name="adj2" fmla="val -8333"/>
+              <a:gd name="adj3" fmla="val 111549"/>
+              <a:gd name="adj4" fmla="val -64361"/>
+            </a:avLst>
+          </a:prstGeom>
+        </p:spPr>
+        <p:style>
+          <a:lnRef idx="2">
+            <a:schemeClr val="accent1"/>
+          </a:lnRef>
+          <a:fillRef idx="1">
+            <a:schemeClr val="lt1"/>
+          </a:fillRef>
+          <a:effectRef idx="0">
+            <a:schemeClr val="accent1"/>
+          </a:effectRef>
+          <a:fontRef idx="minor">
+            <a:schemeClr val="dk1"/>
+          </a:fontRef>
+        </p:style>
+        <p:txBody>
+          <a:bodyPr rtlCol="0" anchor="ctr"/>
+          <a:lstStyle/>
+          <a:p>
+            <a:pPr algn="ctr"/>
+            <a:r>
+              <a:rPr lang="en-US" altLang="zh-TW" dirty="0" smtClean="0">
+                <a:solidFill>
+                  <a:srgbClr val="0070C0"/>
+                </a:solidFill>
+              </a:rPr>
+              <a:t>.caption input</a:t>
+            </a:r>
+            <a:endParaRPr lang="zh-TW" altLang="en-US" dirty="0">
+              <a:solidFill>
+                <a:srgbClr val="0070C0"/>
+              </a:solidFill>
+            </a:endParaRPr>
+          </a:p>
+        </p:txBody>
+      </p:sp>
     </p:spTree>
   </p:cSld>
   <p:clrMapOvr>
